--- a/Lecture-3-HWZ.pptx
+++ b/Lecture-3-HWZ.pptx
@@ -207,7 +207,7 @@
           <a:p>
             <a:fld id="{5AEB00D6-CD64-4A3A-A355-9CEED9E43D5F}" type="datetimeFigureOut">
               <a:rPr lang="de-CH" smtClean="0"/>
-              <a:t>06.09.22</a:t>
+              <a:t>17.02.23</a:t>
             </a:fld>
             <a:endParaRPr lang="de-CH"/>
           </a:p>
@@ -2064,6 +2064,104 @@
           <a:p>
             <a:endParaRPr lang="en-DE" dirty="0"/>
           </a:p>
+          <a:p>
+            <a:endParaRPr lang="en-DE" dirty="0"/>
+          </a:p>
+          <a:p>
+            <a:r>
+              <a:rPr lang="en-DE" dirty="0"/>
+              <a:t>Technologie die zur Zentralisierung führt: Deep Learning </a:t>
+            </a:r>
+          </a:p>
+          <a:p>
+            <a:endParaRPr lang="en-DE" dirty="0"/>
+          </a:p>
+          <a:p>
+            <a:pPr marL="0" marR="0" lvl="0" indent="0" algn="l" defTabSz="914400" rtl="0" eaLnBrk="1" fontAlgn="auto" latinLnBrk="0" hangingPunct="1">
+              <a:lnSpc>
+                <a:spcPct val="100000"/>
+              </a:lnSpc>
+              <a:spcBef>
+                <a:spcPts val="0"/>
+              </a:spcBef>
+              <a:spcAft>
+                <a:spcPts val="0"/>
+              </a:spcAft>
+              <a:buClrTx/>
+              <a:buSzTx/>
+              <a:buFontTx/>
+              <a:buNone/>
+              <a:tabLst/>
+              <a:defRPr/>
+            </a:pPr>
+            <a:r>
+              <a:rPr lang="en-DE" dirty="0"/>
+              <a:t>Technologie die zur Dezentralisierung führt: Blockchain / Distributed Ledger Technogie</a:t>
+            </a:r>
+          </a:p>
+          <a:p>
+            <a:pPr marL="0" marR="0" lvl="0" indent="0" algn="l" defTabSz="914400" rtl="0" eaLnBrk="1" fontAlgn="auto" latinLnBrk="0" hangingPunct="1">
+              <a:lnSpc>
+                <a:spcPct val="100000"/>
+              </a:lnSpc>
+              <a:spcBef>
+                <a:spcPts val="0"/>
+              </a:spcBef>
+              <a:spcAft>
+                <a:spcPts val="0"/>
+              </a:spcAft>
+              <a:buClrTx/>
+              <a:buSzTx/>
+              <a:buFontTx/>
+              <a:buNone/>
+              <a:tabLst/>
+              <a:defRPr/>
+            </a:pPr>
+            <a:endParaRPr lang="en-DE" dirty="0"/>
+          </a:p>
+          <a:p>
+            <a:pPr marL="0" marR="0" lvl="0" indent="0" algn="l" defTabSz="914400" rtl="0" eaLnBrk="1" fontAlgn="auto" latinLnBrk="0" hangingPunct="1">
+              <a:lnSpc>
+                <a:spcPct val="100000"/>
+              </a:lnSpc>
+              <a:spcBef>
+                <a:spcPts val="0"/>
+              </a:spcBef>
+              <a:spcAft>
+                <a:spcPts val="0"/>
+              </a:spcAft>
+              <a:buClrTx/>
+              <a:buSzTx/>
+              <a:buFontTx/>
+              <a:buNone/>
+              <a:tabLst/>
+              <a:defRPr/>
+            </a:pPr>
+            <a:endParaRPr lang="en-DE" dirty="0"/>
+          </a:p>
+          <a:p>
+            <a:pPr marL="0" marR="0" lvl="0" indent="0" algn="l" defTabSz="914400" rtl="0" eaLnBrk="1" fontAlgn="auto" latinLnBrk="0" hangingPunct="1">
+              <a:lnSpc>
+                <a:spcPct val="100000"/>
+              </a:lnSpc>
+              <a:spcBef>
+                <a:spcPts val="0"/>
+              </a:spcBef>
+              <a:spcAft>
+                <a:spcPts val="0"/>
+              </a:spcAft>
+              <a:buClrTx/>
+              <a:buSzTx/>
+              <a:buFontTx/>
+              <a:buNone/>
+              <a:tabLst/>
+              <a:defRPr/>
+            </a:pPr>
+            <a:endParaRPr lang="en-DE" dirty="0"/>
+          </a:p>
+          <a:p>
+            <a:endParaRPr lang="en-DE" dirty="0"/>
+          </a:p>
         </p:txBody>
       </p:sp>
       <p:sp>
@@ -2485,7 +2583,7 @@
           <a:p>
             <a:fld id="{D9C138CE-39F5-4C51-B9EF-8DE42740A430}" type="datetime1">
               <a:rPr lang="de-CH" smtClean="0"/>
-              <a:t>06.09.22</a:t>
+              <a:t>17.02.23</a:t>
             </a:fld>
             <a:endParaRPr lang="de-CH" dirty="0"/>
           </a:p>
@@ -2845,7 +2943,7 @@
           <a:p>
             <a:fld id="{F0B6F3D0-9E69-47B4-9474-C5549352D1B3}" type="datetime1">
               <a:rPr lang="de-CH" smtClean="0"/>
-              <a:t>06.09.22</a:t>
+              <a:t>17.02.23</a:t>
             </a:fld>
             <a:endParaRPr lang="de-CH" dirty="0"/>
           </a:p>
@@ -3273,7 +3371,7 @@
           <a:p>
             <a:fld id="{005C2A08-A3FD-4BAD-9A0D-5B0FF627DA52}" type="datetime1">
               <a:rPr lang="de-CH" smtClean="0"/>
-              <a:t>06.09.22</a:t>
+              <a:t>17.02.23</a:t>
             </a:fld>
             <a:endParaRPr lang="de-CH" dirty="0"/>
           </a:p>
@@ -3789,7 +3887,7 @@
           <a:p>
             <a:fld id="{9093CEA4-413D-419B-8CFE-C48970F6E85E}" type="datetime1">
               <a:rPr lang="de-CH" smtClean="0"/>
-              <a:t>06.09.22</a:t>
+              <a:t>17.02.23</a:t>
             </a:fld>
             <a:endParaRPr lang="de-CH" dirty="0"/>
           </a:p>
@@ -4429,7 +4527,7 @@
           <a:p>
             <a:fld id="{8CAC274A-523A-4337-BC8A-EA06BC4805CF}" type="datetime1">
               <a:rPr lang="de-CH" smtClean="0"/>
-              <a:t>06.09.22</a:t>
+              <a:t>17.02.23</a:t>
             </a:fld>
             <a:endParaRPr lang="de-CH" dirty="0"/>
           </a:p>
@@ -5559,7 +5657,7 @@
           <a:p>
             <a:fld id="{B54906B0-BB90-449A-9CB7-4D55D5601617}" type="datetime1">
               <a:rPr lang="de-CH" smtClean="0"/>
-              <a:t>06.09.22</a:t>
+              <a:t>17.02.23</a:t>
             </a:fld>
             <a:endParaRPr lang="de-CH" dirty="0"/>
           </a:p>
@@ -6383,7 +6481,7 @@
           <a:p>
             <a:fld id="{D6BE2C4A-3297-4F48-92D3-2EC577C7CBC8}" type="datetime1">
               <a:rPr lang="de-CH" smtClean="0"/>
-              <a:t>06.09.22</a:t>
+              <a:t>17.02.23</a:t>
             </a:fld>
             <a:endParaRPr lang="de-CH" dirty="0"/>
           </a:p>
@@ -7287,7 +7385,7 @@
           <a:p>
             <a:fld id="{19CCA119-15D9-4B8C-9563-D2481BA3F2E5}" type="datetime1">
               <a:rPr lang="de-CH" smtClean="0"/>
-              <a:t>06.09.22</a:t>
+              <a:t>17.02.23</a:t>
             </a:fld>
             <a:endParaRPr lang="de-CH" dirty="0"/>
           </a:p>
@@ -10254,7 +10352,7 @@
           <a:p>
             <a:fld id="{23D46172-95BF-46D3-B6CC-8A39BDF4DD54}" type="datetime1">
               <a:rPr lang="de-CH" smtClean="0"/>
-              <a:t>06.09.22</a:t>
+              <a:t>17.02.23</a:t>
             </a:fld>
             <a:endParaRPr lang="de-CH" dirty="0"/>
           </a:p>
@@ -10929,7 +11027,7 @@
           <a:p>
             <a:fld id="{909B05D8-F536-4D06-B0DA-7EE54F04900E}" type="datetime1">
               <a:rPr lang="de-CH" smtClean="0"/>
-              <a:t>06.09.22</a:t>
+              <a:t>17.02.23</a:t>
             </a:fld>
             <a:endParaRPr lang="de-CH" dirty="0"/>
           </a:p>
@@ -11207,7 +11305,7 @@
           <a:p>
             <a:fld id="{F5B7BAA7-1395-4FFC-8E09-B86A0B237D4B}" type="datetime1">
               <a:rPr lang="de-CH" smtClean="0"/>
-              <a:t>06.09.22</a:t>
+              <a:t>17.02.23</a:t>
             </a:fld>
             <a:endParaRPr lang="de-CH" dirty="0"/>
           </a:p>
@@ -11548,7 +11646,7 @@
             <a:fld id="{1BECABAE-2A8F-4A67-A8BC-42976025B7E1}" type="datetime1">
               <a:rPr lang="de-CH" smtClean="0"/>
               <a:pPr/>
-              <a:t>06.09.22</a:t>
+              <a:t>17.02.23</a:t>
             </a:fld>
             <a:endParaRPr lang="de-CH" dirty="0"/>
           </a:p>
@@ -12130,7 +12228,7 @@
           <a:p>
             <a:fld id="{909B05D8-F536-4D06-B0DA-7EE54F04900E}" type="datetime1">
               <a:rPr lang="de-CH" smtClean="0"/>
-              <a:t>06.09.22</a:t>
+              <a:t>17.02.23</a:t>
             </a:fld>
             <a:endParaRPr lang="de-CH" dirty="0"/>
           </a:p>
@@ -12373,7 +12471,7 @@
           <a:p>
             <a:fld id="{909B05D8-F536-4D06-B0DA-7EE54F04900E}" type="datetime1">
               <a:rPr lang="de-CH" smtClean="0"/>
-              <a:t>06.09.22</a:t>
+              <a:t>17.02.23</a:t>
             </a:fld>
             <a:endParaRPr lang="de-CH" dirty="0"/>
           </a:p>
@@ -12719,7 +12817,7 @@
           <a:p>
             <a:fld id="{909B05D8-F536-4D06-B0DA-7EE54F04900E}" type="datetime1">
               <a:rPr lang="de-CH" smtClean="0"/>
-              <a:t>06.09.22</a:t>
+              <a:t>17.02.23</a:t>
             </a:fld>
             <a:endParaRPr lang="de-CH" dirty="0"/>
           </a:p>
@@ -13031,7 +13129,7 @@
           <a:p>
             <a:fld id="{909B05D8-F536-4D06-B0DA-7EE54F04900E}" type="datetime1">
               <a:rPr lang="de-CH" smtClean="0"/>
-              <a:t>06.09.22</a:t>
+              <a:t>17.02.23</a:t>
             </a:fld>
             <a:endParaRPr lang="de-CH" dirty="0"/>
           </a:p>
@@ -13905,7 +14003,7 @@
           <a:p>
             <a:fld id="{909B05D8-F536-4D06-B0DA-7EE54F04900E}" type="datetime1">
               <a:rPr lang="de-CH" smtClean="0"/>
-              <a:t>06.09.22</a:t>
+              <a:t>17.02.23</a:t>
             </a:fld>
             <a:endParaRPr lang="de-CH" dirty="0"/>
           </a:p>
@@ -14206,7 +14304,7 @@
           <a:p>
             <a:fld id="{909B05D8-F536-4D06-B0DA-7EE54F04900E}" type="datetime1">
               <a:rPr lang="de-CH" smtClean="0"/>
-              <a:t>06.09.22</a:t>
+              <a:t>17.02.23</a:t>
             </a:fld>
             <a:endParaRPr lang="de-CH" dirty="0"/>
           </a:p>
@@ -14419,7 +14517,7 @@
           <a:p>
             <a:fld id="{909B05D8-F536-4D06-B0DA-7EE54F04900E}" type="datetime1">
               <a:rPr lang="de-CH" smtClean="0"/>
-              <a:t>06.09.22</a:t>
+              <a:t>17.02.23</a:t>
             </a:fld>
             <a:endParaRPr lang="de-CH" dirty="0"/>
           </a:p>
@@ -14669,7 +14767,7 @@
           <a:p>
             <a:fld id="{909B05D8-F536-4D06-B0DA-7EE54F04900E}" type="datetime1">
               <a:rPr lang="de-CH" smtClean="0"/>
-              <a:t>06.09.22</a:t>
+              <a:t>17.02.23</a:t>
             </a:fld>
             <a:endParaRPr lang="de-CH" dirty="0"/>
           </a:p>
@@ -14982,7 +15080,7 @@
           <a:p>
             <a:fld id="{909B05D8-F536-4D06-B0DA-7EE54F04900E}" type="datetime1">
               <a:rPr lang="de-CH" smtClean="0"/>
-              <a:t>06.09.22</a:t>
+              <a:t>17.02.23</a:t>
             </a:fld>
             <a:endParaRPr lang="de-CH" dirty="0"/>
           </a:p>
@@ -15261,7 +15359,7 @@
           <a:p>
             <a:fld id="{909B05D8-F536-4D06-B0DA-7EE54F04900E}" type="datetime1">
               <a:rPr lang="de-CH" smtClean="0"/>
-              <a:t>06.09.22</a:t>
+              <a:t>17.02.23</a:t>
             </a:fld>
             <a:endParaRPr lang="de-CH" dirty="0"/>
           </a:p>
